--- a/PPT/03_光源-环境光.pptx
+++ b/PPT/03_光源-环境光.pptx
@@ -330,7 +330,7 @@
               <a:pPr>
                 <a:defRPr/>
               </a:pPr>
-              <a:t>2017/10/11</a:t>
+              <a:t>2017/10/12</a:t>
             </a:fld>
             <a:endParaRPr lang="zh-CN" altLang="en-US" sz="1200"/>
           </a:p>
@@ -4593,7 +4593,7 @@
                 <a:latin typeface="微软雅黑 Light" panose="020B0502040204020203" pitchFamily="34" charset="-122"/>
                 <a:ea typeface="微软雅黑 Light" panose="020B0502040204020203" pitchFamily="34" charset="-122"/>
               </a:rPr>
-              <a:t>环境光源（</a:t>
+              <a:t>环境光（</a:t>
             </a:r>
             <a:r>
               <a:rPr lang="en-US" altLang="zh-CN" sz="2800" dirty="0">
